--- a/GeoServer_박진우.pptx
+++ b/GeoServer_박진우.pptx
@@ -5,7 +5,7 @@
     <p:sldMasterId id="2147483648" r:id="rId1"/>
   </p:sldMasterIdLst>
   <p:notesMasterIdLst>
-    <p:notesMasterId r:id="rId29"/>
+    <p:notesMasterId r:id="rId30"/>
   </p:notesMasterIdLst>
   <p:sldIdLst>
     <p:sldId id="257" r:id="rId2"/>
@@ -35,6 +35,7 @@
     <p:sldId id="323" r:id="rId26"/>
     <p:sldId id="315" r:id="rId27"/>
     <p:sldId id="316" r:id="rId28"/>
+    <p:sldId id="324" r:id="rId29"/>
   </p:sldIdLst>
   <p:sldSz cx="9144000" cy="6858000" type="screen4x3"/>
   <p:notesSz cx="6858000" cy="9144000"/>
@@ -2109,6 +2110,91 @@
     <p:extLst>
       <p:ext uri="{BB962C8B-B14F-4D97-AF65-F5344CB8AC3E}">
         <p14:creationId xmlns:p14="http://schemas.microsoft.com/office/powerpoint/2010/main" val="1063866221"/>
+      </p:ext>
+    </p:extLst>
+  </p:cSld>
+  <p:clrMapOvr>
+    <a:masterClrMapping/>
+  </p:clrMapOvr>
+</p:notes>
+</file>
+
+<file path=ppt/notesSlides/notesSlide27.xml><?xml version="1.0" encoding="utf-8"?>
+<p:notes xmlns:a="http://schemas.openxmlformats.org/drawingml/2006/main" xmlns:r="http://schemas.openxmlformats.org/officeDocument/2006/relationships" xmlns:p="http://schemas.openxmlformats.org/presentationml/2006/main">
+  <p:cSld>
+    <p:spTree>
+      <p:nvGrpSpPr>
+        <p:cNvPr id="1" name=""/>
+        <p:cNvGrpSpPr/>
+        <p:nvPr/>
+      </p:nvGrpSpPr>
+      <p:grpSpPr>
+        <a:xfrm>
+          <a:off x="0" y="0"/>
+          <a:ext cx="0" cy="0"/>
+          <a:chOff x="0" y="0"/>
+          <a:chExt cx="0" cy="0"/>
+        </a:xfrm>
+      </p:grpSpPr>
+      <p:sp>
+        <p:nvSpPr>
+          <p:cNvPr id="2" name="슬라이드 이미지 개체 틀 1"/>
+          <p:cNvSpPr>
+            <a:spLocks noGrp="1" noRot="1" noChangeAspect="1"/>
+          </p:cNvSpPr>
+          <p:nvPr>
+            <p:ph type="sldImg"/>
+          </p:nvPr>
+        </p:nvSpPr>
+        <p:spPr/>
+      </p:sp>
+      <p:sp>
+        <p:nvSpPr>
+          <p:cNvPr id="3" name="슬라이드 노트 개체 틀 2"/>
+          <p:cNvSpPr>
+            <a:spLocks noGrp="1"/>
+          </p:cNvSpPr>
+          <p:nvPr>
+            <p:ph type="body" idx="1"/>
+          </p:nvPr>
+        </p:nvSpPr>
+        <p:spPr/>
+        <p:txBody>
+          <a:bodyPr/>
+          <a:lstStyle/>
+          <a:p>
+            <a:endParaRPr lang="en-US" altLang="ko-KR" dirty="0"/>
+          </a:p>
+        </p:txBody>
+      </p:sp>
+      <p:sp>
+        <p:nvSpPr>
+          <p:cNvPr id="4" name="슬라이드 번호 개체 틀 3"/>
+          <p:cNvSpPr>
+            <a:spLocks noGrp="1"/>
+          </p:cNvSpPr>
+          <p:nvPr>
+            <p:ph type="sldNum" sz="quarter" idx="10"/>
+          </p:nvPr>
+        </p:nvSpPr>
+        <p:spPr/>
+        <p:txBody>
+          <a:bodyPr/>
+          <a:lstStyle/>
+          <a:p>
+            <a:fld id="{16D491AF-07FE-41D9-A5D0-633EC5389ECF}" type="slidenum">
+              <a:rPr lang="ko-KR" altLang="en-US" smtClean="0"/>
+              <a:pPr/>
+              <a:t>28</a:t>
+            </a:fld>
+            <a:endParaRPr lang="ko-KR" altLang="en-US"/>
+          </a:p>
+        </p:txBody>
+      </p:sp>
+    </p:spTree>
+    <p:extLst>
+      <p:ext uri="{BB962C8B-B14F-4D97-AF65-F5344CB8AC3E}">
+        <p14:creationId xmlns:p14="http://schemas.microsoft.com/office/powerpoint/2010/main" val="185532534"/>
       </p:ext>
     </p:extLst>
   </p:cSld>
@@ -8757,7 +8843,23 @@
                 <a:ea typeface="Arial Unicode MS"/>
                 <a:cs typeface="Arial Unicode MS"/>
               </a:rPr>
-              <a:t> 경로를 설정한다.</a:t>
+              <a:t> 경로</a:t>
+            </a:r>
+            <a:r>
+              <a:rPr lang="en-US" altLang="ko-KR" dirty="0">
+                <a:latin typeface="Arial" panose="020B0604020202020204" pitchFamily="34" charset="0"/>
+                <a:ea typeface="Arial Unicode MS"/>
+                <a:cs typeface="Arial Unicode MS"/>
+              </a:rPr>
+              <a:t>(C:\java\jdk-11.0.2)</a:t>
+            </a:r>
+            <a:r>
+              <a:rPr lang="ko-KR" altLang="ko-KR" dirty="0">
+                <a:latin typeface="Arial" panose="020B0604020202020204" pitchFamily="34" charset="0"/>
+                <a:ea typeface="Arial Unicode MS"/>
+                <a:cs typeface="Arial Unicode MS"/>
+              </a:rPr>
+              <a:t>를 설정한다.</a:t>
             </a:r>
             <a:endParaRPr lang="ko-KR" altLang="ko-KR" dirty="0">
               <a:latin typeface="Arial" panose="020B0604020202020204" pitchFamily="34" charset="0"/>
@@ -10223,7 +10325,7 @@
         </p:nvSpPr>
         <p:spPr>
           <a:xfrm>
-            <a:off x="849170" y="2300111"/>
+            <a:off x="867813" y="1819563"/>
             <a:ext cx="2998963" cy="369332"/>
           </a:xfrm>
           <a:prstGeom prst="rect">
@@ -10311,8 +10413,8 @@
         </p:nvSpPr>
         <p:spPr>
           <a:xfrm>
-            <a:off x="1070009" y="2690149"/>
-            <a:ext cx="7619761" cy="456087"/>
+            <a:off x="1088652" y="2209601"/>
+            <a:ext cx="7619761" cy="871585"/>
           </a:xfrm>
           <a:prstGeom prst="rect">
             <a:avLst/>
@@ -10355,7 +10457,23 @@
             </a:r>
             <a:r>
               <a:rPr lang="ko-KR" altLang="en-US" dirty="0"/>
-              <a:t>디렉토리 등록</a:t>
+              <a:t>디렉토리</a:t>
+            </a:r>
+            <a:r>
+              <a:rPr lang="en-US" altLang="ko-KR" dirty="0"/>
+              <a:t>(C:\</a:t>
+            </a:r>
+            <a:r>
+              <a:rPr lang="en-US" altLang="ko-KR" dirty="0" err="1"/>
+              <a:t>geoserver</a:t>
+            </a:r>
+            <a:r>
+              <a:rPr lang="en-US" altLang="ko-KR" dirty="0"/>
+              <a:t>)</a:t>
+            </a:r>
+            <a:r>
+              <a:rPr lang="ko-KR" altLang="en-US" dirty="0"/>
+              <a:t> 등록</a:t>
             </a:r>
             <a:endParaRPr lang="ko-KR" altLang="ko-KR" dirty="0">
               <a:latin typeface="Arial" panose="020B0604020202020204" pitchFamily="34" charset="0"/>
@@ -10487,6 +10605,155 @@
               </a:rPr>
               <a:t>04</a:t>
             </a:r>
+          </a:p>
+        </p:txBody>
+      </p:sp>
+      <p:sp>
+        <p:nvSpPr>
+          <p:cNvPr id="22" name="TextBox 21">
+            <a:extLst>
+              <a:ext uri="{FF2B5EF4-FFF2-40B4-BE49-F238E27FC236}">
+                <a16:creationId xmlns:a16="http://schemas.microsoft.com/office/drawing/2014/main" id="{4374E916-5361-4AFA-A5BC-75B74611DB94}"/>
+              </a:ext>
+            </a:extLst>
+          </p:cNvPr>
+          <p:cNvSpPr txBox="1"/>
+          <p:nvPr/>
+        </p:nvSpPr>
+        <p:spPr>
+          <a:xfrm>
+            <a:off x="867813" y="3147285"/>
+            <a:ext cx="2096471" cy="369332"/>
+          </a:xfrm>
+          <a:prstGeom prst="rect">
+            <a:avLst/>
+          </a:prstGeom>
+          <a:noFill/>
+        </p:spPr>
+        <p:txBody>
+          <a:bodyPr wrap="none" rtlCol="0">
+            <a:spAutoFit/>
+          </a:bodyPr>
+          <a:lstStyle/>
+          <a:p>
+            <a:r>
+              <a:rPr lang="en-US" altLang="ko-KR" b="1" dirty="0">
+                <a:solidFill>
+                  <a:schemeClr val="tx2">
+                    <a:lumMod val="50000"/>
+                  </a:schemeClr>
+                </a:solidFill>
+                <a:latin typeface="맑은 고딕" panose="020B0503020000020004" pitchFamily="50" charset="-127"/>
+                <a:ea typeface="나눔바른고딕"/>
+              </a:rPr>
+              <a:t>▣ </a:t>
+            </a:r>
+            <a:r>
+              <a:rPr lang="en-US" altLang="ko-KR" b="1" dirty="0" err="1">
+                <a:solidFill>
+                  <a:schemeClr val="tx2">
+                    <a:lumMod val="50000"/>
+                  </a:schemeClr>
+                </a:solidFill>
+                <a:latin typeface="맑은 고딕" panose="020B0503020000020004" pitchFamily="50" charset="-127"/>
+                <a:ea typeface="나눔바른고딕"/>
+              </a:rPr>
+              <a:t>GeoServer</a:t>
+            </a:r>
+            <a:r>
+              <a:rPr lang="en-US" altLang="ko-KR" b="1" dirty="0">
+                <a:solidFill>
+                  <a:schemeClr val="tx2">
+                    <a:lumMod val="50000"/>
+                  </a:schemeClr>
+                </a:solidFill>
+                <a:latin typeface="맑은 고딕" panose="020B0503020000020004" pitchFamily="50" charset="-127"/>
+                <a:ea typeface="나눔바른고딕"/>
+              </a:rPr>
+              <a:t> </a:t>
+            </a:r>
+            <a:r>
+              <a:rPr lang="ko-KR" altLang="en-US" b="1" dirty="0">
+                <a:solidFill>
+                  <a:schemeClr val="tx2">
+                    <a:lumMod val="50000"/>
+                  </a:schemeClr>
+                </a:solidFill>
+                <a:latin typeface="맑은 고딕" panose="020B0503020000020004" pitchFamily="50" charset="-127"/>
+                <a:ea typeface="나눔바른고딕"/>
+              </a:rPr>
+              <a:t>시작</a:t>
+            </a:r>
+            <a:endParaRPr lang="en-US" altLang="ko-KR" b="1" dirty="0">
+              <a:solidFill>
+                <a:schemeClr val="tx2">
+                  <a:lumMod val="50000"/>
+                </a:schemeClr>
+              </a:solidFill>
+              <a:latin typeface="나눔바른고딕" pitchFamily="50" charset="-127"/>
+              <a:ea typeface="나눔바른고딕"/>
+            </a:endParaRPr>
+          </a:p>
+        </p:txBody>
+      </p:sp>
+      <p:sp>
+        <p:nvSpPr>
+          <p:cNvPr id="23" name="직사각형 22">
+            <a:extLst>
+              <a:ext uri="{FF2B5EF4-FFF2-40B4-BE49-F238E27FC236}">
+                <a16:creationId xmlns:a16="http://schemas.microsoft.com/office/drawing/2014/main" id="{79FB288A-B5E7-40BA-B20D-BE557995E8D9}"/>
+              </a:ext>
+            </a:extLst>
+          </p:cNvPr>
+          <p:cNvSpPr/>
+          <p:nvPr/>
+        </p:nvSpPr>
+        <p:spPr>
+          <a:xfrm>
+            <a:off x="1088652" y="3537323"/>
+            <a:ext cx="7619761" cy="456087"/>
+          </a:xfrm>
+          <a:prstGeom prst="rect">
+            <a:avLst/>
+          </a:prstGeom>
+        </p:spPr>
+        <p:txBody>
+          <a:bodyPr wrap="square">
+            <a:spAutoFit/>
+          </a:bodyPr>
+          <a:lstStyle/>
+          <a:p>
+            <a:pPr marL="342900" lvl="0" indent="-342900">
+              <a:lnSpc>
+                <a:spcPct val="150000"/>
+              </a:lnSpc>
+              <a:spcBef>
+                <a:spcPts val="1200"/>
+              </a:spcBef>
+              <a:spcAft>
+                <a:spcPts val="0"/>
+              </a:spcAft>
+              <a:buFont typeface="Symbol" panose="05050102010706020507" pitchFamily="18" charset="2"/>
+              <a:buChar char="-"/>
+            </a:pPr>
+            <a:r>
+              <a:rPr lang="en-US" altLang="ko-KR" dirty="0">
+                <a:latin typeface="Arial" panose="020B0604020202020204" pitchFamily="34" charset="0"/>
+                <a:ea typeface="맑은 고딕" panose="020B0503020000020004" pitchFamily="50" charset="-127"/>
+              </a:rPr>
+              <a:t>C:\geoserver\bin\starutup.bat / .</a:t>
+            </a:r>
+            <a:r>
+              <a:rPr lang="en-US" altLang="ko-KR" dirty="0" err="1">
+                <a:latin typeface="Arial" panose="020B0604020202020204" pitchFamily="34" charset="0"/>
+                <a:ea typeface="맑은 고딕" panose="020B0503020000020004" pitchFamily="50" charset="-127"/>
+              </a:rPr>
+              <a:t>sh</a:t>
+            </a:r>
+            <a:endParaRPr lang="ko-KR" altLang="ko-KR" dirty="0">
+              <a:latin typeface="Arial" panose="020B0604020202020204" pitchFamily="34" charset="0"/>
+              <a:ea typeface="맑은 고딕" panose="020B0503020000020004" pitchFamily="50" charset="-127"/>
+            </a:endParaRPr>
           </a:p>
         </p:txBody>
       </p:sp>
@@ -20020,7 +20287,7 @@
         </p:blipFill>
         <p:spPr>
           <a:xfrm>
-            <a:off x="5515641" y="3801376"/>
+            <a:off x="5641262" y="3907557"/>
             <a:ext cx="3398146" cy="2789939"/>
           </a:xfrm>
           <a:prstGeom prst="rect">
@@ -20028,6 +20295,110 @@
           </a:prstGeom>
         </p:spPr>
       </p:pic>
+      <p:sp>
+        <p:nvSpPr>
+          <p:cNvPr id="2" name="직사각형 1">
+            <a:extLst>
+              <a:ext uri="{FF2B5EF4-FFF2-40B4-BE49-F238E27FC236}">
+                <a16:creationId xmlns:a16="http://schemas.microsoft.com/office/drawing/2014/main" id="{A051DC96-06A0-4F0C-9EB3-1DBF8FAD7E68}"/>
+              </a:ext>
+            </a:extLst>
+          </p:cNvPr>
+          <p:cNvSpPr/>
+          <p:nvPr/>
+        </p:nvSpPr>
+        <p:spPr>
+          <a:xfrm>
+            <a:off x="1842702" y="2420888"/>
+            <a:ext cx="4097450" cy="788674"/>
+          </a:xfrm>
+          <a:prstGeom prst="rect">
+            <a:avLst/>
+          </a:prstGeom>
+          <a:noFill/>
+          <a:ln>
+            <a:solidFill>
+              <a:srgbClr val="FF0000"/>
+            </a:solidFill>
+          </a:ln>
+        </p:spPr>
+        <p:style>
+          <a:lnRef idx="2">
+            <a:schemeClr val="accent1">
+              <a:shade val="50000"/>
+            </a:schemeClr>
+          </a:lnRef>
+          <a:fillRef idx="1">
+            <a:schemeClr val="accent1"/>
+          </a:fillRef>
+          <a:effectRef idx="0">
+            <a:schemeClr val="accent1"/>
+          </a:effectRef>
+          <a:fontRef idx="minor">
+            <a:schemeClr val="lt1"/>
+          </a:fontRef>
+        </p:style>
+        <p:txBody>
+          <a:bodyPr rtlCol="0" anchor="ctr"/>
+          <a:lstStyle/>
+          <a:p>
+            <a:pPr algn="ctr"/>
+            <a:endParaRPr lang="ko-KR" altLang="en-US"/>
+          </a:p>
+        </p:txBody>
+      </p:sp>
+      <p:sp>
+        <p:nvSpPr>
+          <p:cNvPr id="18" name="직사각형 17">
+            <a:extLst>
+              <a:ext uri="{FF2B5EF4-FFF2-40B4-BE49-F238E27FC236}">
+                <a16:creationId xmlns:a16="http://schemas.microsoft.com/office/drawing/2014/main" id="{A76D9A18-7D1E-4BA0-BD27-BAF03B1CDB0D}"/>
+              </a:ext>
+            </a:extLst>
+          </p:cNvPr>
+          <p:cNvSpPr/>
+          <p:nvPr/>
+        </p:nvSpPr>
+        <p:spPr>
+          <a:xfrm>
+            <a:off x="1427367" y="3556886"/>
+            <a:ext cx="4097450" cy="520186"/>
+          </a:xfrm>
+          <a:prstGeom prst="rect">
+            <a:avLst/>
+          </a:prstGeom>
+          <a:noFill/>
+          <a:ln>
+            <a:solidFill>
+              <a:srgbClr val="FF0000"/>
+            </a:solidFill>
+          </a:ln>
+        </p:spPr>
+        <p:style>
+          <a:lnRef idx="2">
+            <a:schemeClr val="accent1">
+              <a:shade val="50000"/>
+            </a:schemeClr>
+          </a:lnRef>
+          <a:fillRef idx="1">
+            <a:schemeClr val="accent1"/>
+          </a:fillRef>
+          <a:effectRef idx="0">
+            <a:schemeClr val="accent1"/>
+          </a:effectRef>
+          <a:fontRef idx="minor">
+            <a:schemeClr val="lt1"/>
+          </a:fontRef>
+        </p:style>
+        <p:txBody>
+          <a:bodyPr rtlCol="0" anchor="ctr"/>
+          <a:lstStyle/>
+          <a:p>
+            <a:pPr algn="ctr"/>
+            <a:endParaRPr lang="ko-KR" altLang="en-US"/>
+          </a:p>
+        </p:txBody>
+      </p:sp>
     </p:spTree>
     <p:extLst>
       <p:ext uri="{BB962C8B-B14F-4D97-AF65-F5344CB8AC3E}">
@@ -20652,6 +21023,230 @@
           </a:p>
         </p:txBody>
       </p:sp>
+      <p:sp>
+        <p:nvSpPr>
+          <p:cNvPr id="2" name="직사각형 1">
+            <a:extLst>
+              <a:ext uri="{FF2B5EF4-FFF2-40B4-BE49-F238E27FC236}">
+                <a16:creationId xmlns:a16="http://schemas.microsoft.com/office/drawing/2014/main" id="{6AE8DC0D-37BF-4D8D-B2EA-EB3971798785}"/>
+              </a:ext>
+            </a:extLst>
+          </p:cNvPr>
+          <p:cNvSpPr/>
+          <p:nvPr/>
+        </p:nvSpPr>
+        <p:spPr>
+          <a:xfrm>
+            <a:off x="987948" y="1305342"/>
+            <a:ext cx="6032321" cy="3693319"/>
+          </a:xfrm>
+          <a:prstGeom prst="rect">
+            <a:avLst/>
+          </a:prstGeom>
+        </p:spPr>
+        <p:txBody>
+          <a:bodyPr wrap="square">
+            <a:spAutoFit/>
+          </a:bodyPr>
+          <a:lstStyle/>
+          <a:p>
+            <a:r>
+              <a:rPr lang="ko-KR" altLang="en-US" dirty="0" err="1"/>
+              <a:t>import</a:t>
+            </a:r>
+            <a:r>
+              <a:rPr lang="ko-KR" altLang="en-US" dirty="0"/>
+              <a:t> </a:t>
+            </a:r>
+            <a:r>
+              <a:rPr lang="ko-KR" altLang="en-US" dirty="0" err="1"/>
+              <a:t>folium</a:t>
+            </a:r>
+            <a:endParaRPr lang="ko-KR" altLang="en-US" dirty="0"/>
+          </a:p>
+          <a:p>
+            <a:endParaRPr lang="ko-KR" altLang="en-US" dirty="0"/>
+          </a:p>
+          <a:p>
+            <a:r>
+              <a:rPr lang="ko-KR" altLang="en-US" dirty="0" err="1"/>
+              <a:t>m</a:t>
+            </a:r>
+            <a:r>
+              <a:rPr lang="ko-KR" altLang="en-US" dirty="0"/>
+              <a:t> = </a:t>
+            </a:r>
+            <a:r>
+              <a:rPr lang="ko-KR" altLang="en-US" dirty="0" err="1"/>
+              <a:t>folium.Map</a:t>
+            </a:r>
+            <a:r>
+              <a:rPr lang="ko-KR" altLang="en-US" dirty="0"/>
+              <a:t>(</a:t>
+            </a:r>
+            <a:r>
+              <a:rPr lang="ko-KR" altLang="en-US" dirty="0" err="1"/>
+              <a:t>location</a:t>
+            </a:r>
+            <a:r>
+              <a:rPr lang="ko-KR" altLang="en-US" dirty="0"/>
+              <a:t>=[37.569556, 126.995229])</a:t>
+            </a:r>
+          </a:p>
+          <a:p>
+            <a:endParaRPr lang="ko-KR" altLang="en-US" dirty="0"/>
+          </a:p>
+          <a:p>
+            <a:r>
+              <a:rPr lang="ko-KR" altLang="en-US" dirty="0" err="1"/>
+              <a:t>contour</a:t>
+            </a:r>
+            <a:r>
+              <a:rPr lang="ko-KR" altLang="en-US" dirty="0"/>
+              <a:t> = </a:t>
+            </a:r>
+            <a:r>
+              <a:rPr lang="ko-KR" altLang="en-US" dirty="0" err="1"/>
+              <a:t>folium.WmsTileLayer</a:t>
+            </a:r>
+            <a:r>
+              <a:rPr lang="ko-KR" altLang="en-US" dirty="0"/>
+              <a:t>(</a:t>
+            </a:r>
+          </a:p>
+          <a:p>
+            <a:r>
+              <a:rPr lang="ko-KR" altLang="en-US" dirty="0"/>
+              <a:t>  </a:t>
+            </a:r>
+            <a:r>
+              <a:rPr lang="ko-KR" altLang="en-US" dirty="0" err="1"/>
+              <a:t>url</a:t>
+            </a:r>
+            <a:r>
+              <a:rPr lang="ko-KR" altLang="en-US" dirty="0"/>
+              <a:t> = "http://localhost:8080/geoserver/wms",</a:t>
+            </a:r>
+          </a:p>
+          <a:p>
+            <a:r>
+              <a:rPr lang="ko-KR" altLang="en-US" dirty="0"/>
+              <a:t>  </a:t>
+            </a:r>
+            <a:r>
+              <a:rPr lang="ko-KR" altLang="en-US" dirty="0" err="1"/>
+              <a:t>layers</a:t>
+            </a:r>
+            <a:r>
+              <a:rPr lang="ko-KR" altLang="en-US" dirty="0"/>
+              <a:t> = "</a:t>
+            </a:r>
+            <a:r>
+              <a:rPr lang="ko-KR" altLang="en-US" dirty="0" err="1"/>
+              <a:t>uos</a:t>
+            </a:r>
+            <a:r>
+              <a:rPr lang="en-US" altLang="ko-KR" dirty="0"/>
+              <a:t>test</a:t>
+            </a:r>
+            <a:r>
+              <a:rPr lang="ko-KR" altLang="en-US" dirty="0"/>
+              <a:t>:</a:t>
+            </a:r>
+            <a:r>
+              <a:rPr lang="ko-KR" altLang="en-US" dirty="0" err="1"/>
+              <a:t>countour</a:t>
+            </a:r>
+            <a:r>
+              <a:rPr lang="ko-KR" altLang="en-US" dirty="0"/>
+              <a:t>",</a:t>
+            </a:r>
+          </a:p>
+          <a:p>
+            <a:r>
+              <a:rPr lang="ko-KR" altLang="en-US" dirty="0"/>
+              <a:t>  </a:t>
+            </a:r>
+            <a:r>
+              <a:rPr lang="ko-KR" altLang="en-US" dirty="0" err="1"/>
+              <a:t>fmt</a:t>
+            </a:r>
+            <a:r>
+              <a:rPr lang="ko-KR" altLang="en-US" dirty="0"/>
+              <a:t> = "</a:t>
+            </a:r>
+            <a:r>
+              <a:rPr lang="ko-KR" altLang="en-US" dirty="0" err="1"/>
+              <a:t>image</a:t>
+            </a:r>
+            <a:r>
+              <a:rPr lang="ko-KR" altLang="en-US" dirty="0"/>
+              <a:t>/</a:t>
+            </a:r>
+            <a:r>
+              <a:rPr lang="ko-KR" altLang="en-US" dirty="0" err="1"/>
+              <a:t>png</a:t>
+            </a:r>
+            <a:r>
+              <a:rPr lang="ko-KR" altLang="en-US" dirty="0"/>
+              <a:t>",</a:t>
+            </a:r>
+          </a:p>
+          <a:p>
+            <a:r>
+              <a:rPr lang="ko-KR" altLang="en-US" dirty="0"/>
+              <a:t>  </a:t>
+            </a:r>
+            <a:r>
+              <a:rPr lang="ko-KR" altLang="en-US" dirty="0" err="1"/>
+              <a:t>transparent</a:t>
+            </a:r>
+            <a:r>
+              <a:rPr lang="ko-KR" altLang="en-US" dirty="0"/>
+              <a:t> = </a:t>
+            </a:r>
+            <a:r>
+              <a:rPr lang="ko-KR" altLang="en-US" dirty="0" err="1"/>
+              <a:t>True</a:t>
+            </a:r>
+            <a:endParaRPr lang="ko-KR" altLang="en-US" dirty="0"/>
+          </a:p>
+          <a:p>
+            <a:r>
+              <a:rPr lang="ko-KR" altLang="en-US" dirty="0"/>
+              <a:t>)</a:t>
+            </a:r>
+          </a:p>
+          <a:p>
+            <a:endParaRPr lang="ko-KR" altLang="en-US" dirty="0"/>
+          </a:p>
+          <a:p>
+            <a:r>
+              <a:rPr lang="ko-KR" altLang="en-US" dirty="0" err="1"/>
+              <a:t>contour.add_to</a:t>
+            </a:r>
+            <a:r>
+              <a:rPr lang="ko-KR" altLang="en-US" dirty="0"/>
+              <a:t>(</a:t>
+            </a:r>
+            <a:r>
+              <a:rPr lang="ko-KR" altLang="en-US" dirty="0" err="1"/>
+              <a:t>m</a:t>
+            </a:r>
+            <a:r>
+              <a:rPr lang="ko-KR" altLang="en-US" dirty="0"/>
+              <a:t>)</a:t>
+            </a:r>
+          </a:p>
+          <a:p>
+            <a:r>
+              <a:rPr lang="ko-KR" altLang="en-US" dirty="0" err="1"/>
+              <a:t>m</a:t>
+            </a:r>
+            <a:endParaRPr lang="ko-KR" altLang="en-US" dirty="0"/>
+          </a:p>
+        </p:txBody>
+      </p:sp>
     </p:spTree>
     <p:extLst>
       <p:ext uri="{BB962C8B-B14F-4D97-AF65-F5344CB8AC3E}">
@@ -20823,7 +21418,7 @@
         <p:spPr>
           <a:xfrm>
             <a:off x="786002" y="112850"/>
-            <a:ext cx="5090240" cy="369332"/>
+            <a:ext cx="5086136" cy="369332"/>
           </a:xfrm>
           <a:prstGeom prst="rect">
             <a:avLst/>
@@ -20954,7 +21549,7 @@
                 <a:latin typeface="나눔바른고딕" pitchFamily="50" charset="-127"/>
                 <a:ea typeface="나눔바른고딕"/>
               </a:rPr>
-              <a:t>– OL / Leaflet)</a:t>
+              <a:t>– OL / Folium)</a:t>
             </a:r>
           </a:p>
         </p:txBody>
@@ -21413,7 +22008,7 @@
         </p:nvSpPr>
         <p:spPr>
           <a:xfrm>
-            <a:off x="820115" y="3120805"/>
+            <a:off x="835849" y="1441211"/>
             <a:ext cx="2194832" cy="369332"/>
           </a:xfrm>
           <a:prstGeom prst="rect">
@@ -21467,6 +22062,164 @@
     <p:extLst>
       <p:ext uri="{BB962C8B-B14F-4D97-AF65-F5344CB8AC3E}">
         <p14:creationId xmlns:p14="http://schemas.microsoft.com/office/powerpoint/2010/main" val="430565413"/>
+      </p:ext>
+    </p:extLst>
+  </p:cSld>
+  <p:clrMapOvr>
+    <a:masterClrMapping/>
+  </p:clrMapOvr>
+</p:sld>
+</file>
+
+<file path=ppt/slides/slide28.xml><?xml version="1.0" encoding="utf-8"?>
+<p:sld xmlns:a="http://schemas.openxmlformats.org/drawingml/2006/main" xmlns:r="http://schemas.openxmlformats.org/officeDocument/2006/relationships" xmlns:p="http://schemas.openxmlformats.org/presentationml/2006/main">
+  <p:cSld>
+    <p:spTree>
+      <p:nvGrpSpPr>
+        <p:cNvPr id="1" name=""/>
+        <p:cNvGrpSpPr/>
+        <p:nvPr/>
+      </p:nvGrpSpPr>
+      <p:grpSpPr>
+        <a:xfrm>
+          <a:off x="0" y="0"/>
+          <a:ext cx="0" cy="0"/>
+          <a:chOff x="0" y="0"/>
+          <a:chExt cx="0" cy="0"/>
+        </a:xfrm>
+      </p:grpSpPr>
+      <p:cxnSp>
+        <p:nvCxnSpPr>
+          <p:cNvPr id="31" name="직선 연결선 30"/>
+          <p:cNvCxnSpPr/>
+          <p:nvPr/>
+        </p:nvCxnSpPr>
+        <p:spPr>
+          <a:xfrm>
+            <a:off x="683568" y="-371068"/>
+            <a:ext cx="0" cy="7472476"/>
+          </a:xfrm>
+          <a:prstGeom prst="line">
+            <a:avLst/>
+          </a:prstGeom>
+          <a:ln>
+            <a:solidFill>
+              <a:schemeClr val="bg1">
+                <a:lumMod val="65000"/>
+                <a:alpha val="50000"/>
+              </a:schemeClr>
+            </a:solidFill>
+          </a:ln>
+        </p:spPr>
+        <p:style>
+          <a:lnRef idx="1">
+            <a:schemeClr val="accent1"/>
+          </a:lnRef>
+          <a:fillRef idx="0">
+            <a:schemeClr val="accent1"/>
+          </a:fillRef>
+          <a:effectRef idx="0">
+            <a:schemeClr val="accent1"/>
+          </a:effectRef>
+          <a:fontRef idx="minor">
+            <a:schemeClr val="tx1"/>
+          </a:fontRef>
+        </p:style>
+      </p:cxnSp>
+      <p:sp>
+        <p:nvSpPr>
+          <p:cNvPr id="21" name="직사각형 20"/>
+          <p:cNvSpPr/>
+          <p:nvPr/>
+        </p:nvSpPr>
+        <p:spPr>
+          <a:xfrm>
+            <a:off x="-1" y="6697496"/>
+            <a:ext cx="9144001" cy="160504"/>
+          </a:xfrm>
+          <a:prstGeom prst="rect">
+            <a:avLst/>
+          </a:prstGeom>
+          <a:solidFill>
+            <a:srgbClr val="272123"/>
+          </a:solidFill>
+          <a:ln>
+            <a:noFill/>
+          </a:ln>
+        </p:spPr>
+        <p:style>
+          <a:lnRef idx="2">
+            <a:schemeClr val="accent1">
+              <a:shade val="50000"/>
+            </a:schemeClr>
+          </a:lnRef>
+          <a:fillRef idx="1">
+            <a:schemeClr val="accent1"/>
+          </a:fillRef>
+          <a:effectRef idx="0">
+            <a:schemeClr val="accent1"/>
+          </a:effectRef>
+          <a:fontRef idx="minor">
+            <a:schemeClr val="lt1"/>
+          </a:fontRef>
+        </p:style>
+        <p:txBody>
+          <a:bodyPr rtlCol="0" anchor="ctr"/>
+          <a:lstStyle/>
+          <a:p>
+            <a:pPr algn="r" fontAlgn="base"/>
+            <a:endParaRPr lang="ko-KR" altLang="en-US" sz="800" dirty="0">
+              <a:solidFill>
+                <a:schemeClr val="bg1"/>
+              </a:solidFill>
+            </a:endParaRPr>
+          </a:p>
+        </p:txBody>
+      </p:sp>
+      <p:sp>
+        <p:nvSpPr>
+          <p:cNvPr id="2" name="TextBox 1">
+            <a:extLst>
+              <a:ext uri="{FF2B5EF4-FFF2-40B4-BE49-F238E27FC236}">
+                <a16:creationId xmlns:a16="http://schemas.microsoft.com/office/drawing/2014/main" id="{2645A30A-5196-49BB-9E77-1587CA8FB8DC}"/>
+              </a:ext>
+            </a:extLst>
+          </p:cNvPr>
+          <p:cNvSpPr txBox="1"/>
+          <p:nvPr/>
+        </p:nvSpPr>
+        <p:spPr>
+          <a:xfrm>
+            <a:off x="3486743" y="3075057"/>
+            <a:ext cx="2861681" cy="707886"/>
+          </a:xfrm>
+          <a:prstGeom prst="rect">
+            <a:avLst/>
+          </a:prstGeom>
+          <a:noFill/>
+        </p:spPr>
+        <p:txBody>
+          <a:bodyPr wrap="none" rtlCol="0">
+            <a:spAutoFit/>
+          </a:bodyPr>
+          <a:lstStyle/>
+          <a:p>
+            <a:r>
+              <a:rPr lang="ko-KR" altLang="en-US" sz="4000" dirty="0"/>
+              <a:t>감사합니다</a:t>
+            </a:r>
+            <a:r>
+              <a:rPr lang="en-US" altLang="ko-KR" sz="4000" dirty="0"/>
+              <a:t>.</a:t>
+            </a:r>
+            <a:endParaRPr lang="ko-KR" altLang="en-US" sz="4000" dirty="0"/>
+          </a:p>
+        </p:txBody>
+      </p:sp>
+    </p:spTree>
+    <p:extLst>
+      <p:ext uri="{BB962C8B-B14F-4D97-AF65-F5344CB8AC3E}">
+        <p14:creationId xmlns:p14="http://schemas.microsoft.com/office/powerpoint/2010/main" val="2929473192"/>
       </p:ext>
     </p:extLst>
   </p:cSld>
